--- a/hours_colaborator/Hours Collaborator.pptx
+++ b/hours_colaborator/Hours Collaborator.pptx
@@ -5347,7 +5347,15 @@
           <a:p>
             <a:r>
               <a:rPr lang="pt-BR" dirty="0" smtClean="0"/>
-              <a:t>Sistema de gerenciamento de registro de ponto online onde o colaborador registra sua correção de ponto e submete ao seu gerente e aprovará ou não através do sistema também.</a:t>
+              <a:t>Sistema de gerenciamento de registro de ponto online onde o colaborador registra sua correção de ponto e submete ao seu </a:t>
+            </a:r>
+            <a:r>
+              <a:rPr lang="pt-BR" dirty="0" smtClean="0"/>
+              <a:t>gerente que </a:t>
+            </a:r>
+            <a:r>
+              <a:rPr lang="pt-BR" dirty="0" smtClean="0"/>
+              <a:t>aprovará ou não através do sistema também.</a:t>
             </a:r>
             <a:endParaRPr lang="pt-BR" dirty="0"/>
           </a:p>

--- a/hours_colaborator/Hours Collaborator.pptx
+++ b/hours_colaborator/Hours Collaborator.pptx
@@ -5,14 +5,17 @@
     <p:sldMasterId id="2147483648" r:id="rId2"/>
   </p:sldMasterIdLst>
   <p:notesMasterIdLst>
-    <p:notesMasterId r:id="rId8"/>
+    <p:notesMasterId r:id="rId11"/>
   </p:notesMasterIdLst>
   <p:sldIdLst>
     <p:sldId id="256" r:id="rId3"/>
     <p:sldId id="259" r:id="rId4"/>
     <p:sldId id="260" r:id="rId5"/>
     <p:sldId id="258" r:id="rId6"/>
-    <p:sldId id="261" r:id="rId7"/>
+    <p:sldId id="262" r:id="rId7"/>
+    <p:sldId id="265" r:id="rId8"/>
+    <p:sldId id="266" r:id="rId9"/>
+    <p:sldId id="261" r:id="rId10"/>
   </p:sldIdLst>
   <p:sldSz cx="9144000" cy="6858000" type="screen4x3"/>
   <p:notesSz cx="6858000" cy="9144000"/>
@@ -5254,7 +5257,11 @@
           <a:p>
             <a:r>
               <a:rPr lang="pt-BR" dirty="0" smtClean="0"/>
-              <a:t>Falta de consciência ambiental. Utilização de papel para correção dos pontos.</a:t>
+              <a:t>Utilização </a:t>
+            </a:r>
+            <a:r>
+              <a:rPr lang="pt-BR" dirty="0" smtClean="0"/>
+              <a:t>de papel para correção dos pontos.</a:t>
             </a:r>
           </a:p>
           <a:p>
@@ -5347,15 +5354,7 @@
           <a:p>
             <a:r>
               <a:rPr lang="pt-BR" dirty="0" smtClean="0"/>
-              <a:t>Sistema de gerenciamento de registro de ponto online onde o colaborador registra sua correção de ponto e submete ao seu </a:t>
-            </a:r>
-            <a:r>
-              <a:rPr lang="pt-BR" dirty="0" smtClean="0"/>
-              <a:t>gerente que </a:t>
-            </a:r>
-            <a:r>
-              <a:rPr lang="pt-BR" dirty="0" smtClean="0"/>
-              <a:t>aprovará ou não através do sistema também.</a:t>
+              <a:t>Sistema de gerenciamento de registro de ponto online onde o colaborador registra sua correção de ponto e submete ao seu gerente que aprovará ou não através do sistema também.</a:t>
             </a:r>
             <a:endParaRPr lang="pt-BR" dirty="0"/>
           </a:p>
@@ -5408,6 +5407,277 @@
           </a:xfrm>
         </p:spPr>
         <p:txBody>
+          <a:bodyPr/>
+          <a:lstStyle/>
+          <a:p>
+            <a:r>
+              <a:rPr lang="pt-BR" dirty="0" smtClean="0"/>
+              <a:t>Vantagens</a:t>
+            </a:r>
+            <a:endParaRPr lang="pt-BR" dirty="0"/>
+          </a:p>
+        </p:txBody>
+      </p:sp>
+      <p:sp>
+        <p:nvSpPr>
+          <p:cNvPr id="3" name="Espaço Reservado para Conteúdo 2"/>
+          <p:cNvSpPr>
+            <a:spLocks noGrp="1"/>
+          </p:cNvSpPr>
+          <p:nvPr>
+            <p:ph idx="1"/>
+          </p:nvPr>
+        </p:nvSpPr>
+        <p:spPr/>
+        <p:txBody>
+          <a:bodyPr/>
+          <a:lstStyle/>
+          <a:p>
+            <a:r>
+              <a:rPr lang="pt-BR" dirty="0" smtClean="0"/>
+              <a:t>Contribuição para o meio ambiente.</a:t>
+            </a:r>
+          </a:p>
+          <a:p>
+            <a:r>
+              <a:rPr lang="pt-BR" dirty="0" smtClean="0"/>
+              <a:t>Eficiência para correção do registro de ponto. Em um menor período de tempo.</a:t>
+            </a:r>
+          </a:p>
+          <a:p>
+            <a:endParaRPr lang="pt-BR" dirty="0" smtClean="0"/>
+          </a:p>
+        </p:txBody>
+      </p:sp>
+    </p:spTree>
+    <p:extLst>
+      <p:ext uri="{BB962C8B-B14F-4D97-AF65-F5344CB8AC3E}">
+        <p14:creationId xmlns:p14="http://schemas.microsoft.com/office/powerpoint/2010/main" val="252527912"/>
+      </p:ext>
+    </p:extLst>
+  </p:cSld>
+  <p:clrMapOvr>
+    <a:masterClrMapping/>
+  </p:clrMapOvr>
+</p:sld>
+</file>
+
+<file path=ppt/slides/slide6.xml><?xml version="1.0" encoding="utf-8"?>
+<p:sld xmlns:a="http://schemas.openxmlformats.org/drawingml/2006/main" xmlns:r="http://schemas.openxmlformats.org/officeDocument/2006/relationships" xmlns:p="http://schemas.openxmlformats.org/presentationml/2006/main">
+  <p:cSld>
+    <p:spTree>
+      <p:nvGrpSpPr>
+        <p:cNvPr id="1" name=""/>
+        <p:cNvGrpSpPr/>
+        <p:nvPr/>
+      </p:nvGrpSpPr>
+      <p:grpSpPr>
+        <a:xfrm>
+          <a:off x="0" y="0"/>
+          <a:ext cx="0" cy="0"/>
+          <a:chOff x="0" y="0"/>
+          <a:chExt cx="0" cy="0"/>
+        </a:xfrm>
+      </p:grpSpPr>
+      <p:sp>
+        <p:nvSpPr>
+          <p:cNvPr id="2" name="Título 1"/>
+          <p:cNvSpPr>
+            <a:spLocks noGrp="1"/>
+          </p:cNvSpPr>
+          <p:nvPr>
+            <p:ph type="title"/>
+          </p:nvPr>
+        </p:nvSpPr>
+        <p:spPr>
+          <a:xfrm>
+            <a:off x="457200" y="980728"/>
+            <a:ext cx="8229600" cy="1066800"/>
+          </a:xfrm>
+        </p:spPr>
+        <p:txBody>
+          <a:bodyPr/>
+          <a:lstStyle/>
+          <a:p>
+            <a:r>
+              <a:rPr lang="pt-BR" dirty="0" smtClean="0"/>
+              <a:t>Pontos de melhorias</a:t>
+            </a:r>
+            <a:endParaRPr lang="pt-BR" dirty="0"/>
+          </a:p>
+        </p:txBody>
+      </p:sp>
+      <p:sp>
+        <p:nvSpPr>
+          <p:cNvPr id="3" name="Espaço Reservado para Conteúdo 2"/>
+          <p:cNvSpPr>
+            <a:spLocks noGrp="1"/>
+          </p:cNvSpPr>
+          <p:nvPr>
+            <p:ph idx="1"/>
+          </p:nvPr>
+        </p:nvSpPr>
+        <p:spPr/>
+        <p:txBody>
+          <a:bodyPr/>
+          <a:lstStyle/>
+          <a:p>
+            <a:r>
+              <a:rPr lang="pt-BR" dirty="0" smtClean="0"/>
+              <a:t>Notificar o gerente por e-mail sobre um novo registro de ponto submetido para sua avaliação.</a:t>
+            </a:r>
+          </a:p>
+          <a:p>
+            <a:r>
+              <a:rPr lang="pt-BR" dirty="0" smtClean="0"/>
+              <a:t>Notificar o colaborador sobre o status de sua solicitação após a avaliação </a:t>
+            </a:r>
+            <a:r>
+              <a:rPr lang="pt-BR" smtClean="0"/>
+              <a:t>do gerente.</a:t>
+            </a:r>
+          </a:p>
+          <a:p>
+            <a:endParaRPr lang="pt-BR" dirty="0"/>
+          </a:p>
+        </p:txBody>
+      </p:sp>
+    </p:spTree>
+    <p:extLst>
+      <p:ext uri="{BB962C8B-B14F-4D97-AF65-F5344CB8AC3E}">
+        <p14:creationId xmlns:p14="http://schemas.microsoft.com/office/powerpoint/2010/main" val="2412745123"/>
+      </p:ext>
+    </p:extLst>
+  </p:cSld>
+  <p:clrMapOvr>
+    <a:masterClrMapping/>
+  </p:clrMapOvr>
+</p:sld>
+</file>
+
+<file path=ppt/slides/slide7.xml><?xml version="1.0" encoding="utf-8"?>
+<p:sld xmlns:a="http://schemas.openxmlformats.org/drawingml/2006/main" xmlns:r="http://schemas.openxmlformats.org/officeDocument/2006/relationships" xmlns:p="http://schemas.openxmlformats.org/presentationml/2006/main">
+  <p:cSld>
+    <p:spTree>
+      <p:nvGrpSpPr>
+        <p:cNvPr id="1" name=""/>
+        <p:cNvGrpSpPr/>
+        <p:nvPr/>
+      </p:nvGrpSpPr>
+      <p:grpSpPr>
+        <a:xfrm>
+          <a:off x="0" y="0"/>
+          <a:ext cx="0" cy="0"/>
+          <a:chOff x="0" y="0"/>
+          <a:chExt cx="0" cy="0"/>
+        </a:xfrm>
+      </p:grpSpPr>
+      <p:sp>
+        <p:nvSpPr>
+          <p:cNvPr id="2" name="Título 1"/>
+          <p:cNvSpPr>
+            <a:spLocks noGrp="1"/>
+          </p:cNvSpPr>
+          <p:nvPr>
+            <p:ph type="title"/>
+          </p:nvPr>
+        </p:nvSpPr>
+        <p:spPr>
+          <a:xfrm>
+            <a:off x="457200" y="980728"/>
+            <a:ext cx="8229600" cy="1066800"/>
+          </a:xfrm>
+        </p:spPr>
+        <p:txBody>
+          <a:bodyPr/>
+          <a:lstStyle/>
+          <a:p>
+            <a:r>
+              <a:rPr lang="pt-BR" dirty="0" smtClean="0"/>
+              <a:t>Tecnologia utilizada</a:t>
+            </a:r>
+            <a:endParaRPr lang="pt-BR" dirty="0"/>
+          </a:p>
+        </p:txBody>
+      </p:sp>
+      <p:sp>
+        <p:nvSpPr>
+          <p:cNvPr id="3" name="Espaço Reservado para Conteúdo 2"/>
+          <p:cNvSpPr>
+            <a:spLocks noGrp="1"/>
+          </p:cNvSpPr>
+          <p:nvPr>
+            <p:ph idx="1"/>
+          </p:nvPr>
+        </p:nvSpPr>
+        <p:spPr/>
+        <p:txBody>
+          <a:bodyPr/>
+          <a:lstStyle/>
+          <a:p>
+            <a:r>
+              <a:rPr lang="pt-BR" dirty="0" smtClean="0"/>
+              <a:t>Por que foi viável a escolha do </a:t>
+            </a:r>
+            <a:r>
+              <a:rPr lang="pt-BR" dirty="0" err="1" smtClean="0"/>
+              <a:t>ruby</a:t>
+            </a:r>
+            <a:r>
+              <a:rPr lang="pt-BR" dirty="0" smtClean="0"/>
+              <a:t>?</a:t>
+            </a:r>
+            <a:endParaRPr lang="pt-BR" dirty="0"/>
+          </a:p>
+        </p:txBody>
+      </p:sp>
+    </p:spTree>
+    <p:extLst>
+      <p:ext uri="{BB962C8B-B14F-4D97-AF65-F5344CB8AC3E}">
+        <p14:creationId xmlns:p14="http://schemas.microsoft.com/office/powerpoint/2010/main" val="2412745123"/>
+      </p:ext>
+    </p:extLst>
+  </p:cSld>
+  <p:clrMapOvr>
+    <a:masterClrMapping/>
+  </p:clrMapOvr>
+</p:sld>
+</file>
+
+<file path=ppt/slides/slide8.xml><?xml version="1.0" encoding="utf-8"?>
+<p:sld xmlns:a="http://schemas.openxmlformats.org/drawingml/2006/main" xmlns:r="http://schemas.openxmlformats.org/officeDocument/2006/relationships" xmlns:p="http://schemas.openxmlformats.org/presentationml/2006/main">
+  <p:cSld>
+    <p:spTree>
+      <p:nvGrpSpPr>
+        <p:cNvPr id="1" name=""/>
+        <p:cNvGrpSpPr/>
+        <p:nvPr/>
+      </p:nvGrpSpPr>
+      <p:grpSpPr>
+        <a:xfrm>
+          <a:off x="0" y="0"/>
+          <a:ext cx="0" cy="0"/>
+          <a:chOff x="0" y="0"/>
+          <a:chExt cx="0" cy="0"/>
+        </a:xfrm>
+      </p:grpSpPr>
+      <p:sp>
+        <p:nvSpPr>
+          <p:cNvPr id="2" name="Título 1"/>
+          <p:cNvSpPr>
+            <a:spLocks noGrp="1"/>
+          </p:cNvSpPr>
+          <p:nvPr>
+            <p:ph type="title"/>
+          </p:nvPr>
+        </p:nvSpPr>
+        <p:spPr>
+          <a:xfrm>
+            <a:off x="457200" y="980728"/>
+            <a:ext cx="8229600" cy="1066800"/>
+          </a:xfrm>
+        </p:spPr>
+        <p:txBody>
           <a:bodyPr>
             <a:normAutofit fontScale="90000"/>
           </a:bodyPr>
@@ -5415,7 +5685,11 @@
           <a:p>
             <a:r>
               <a:rPr lang="pt-BR" dirty="0" smtClean="0"/>
-              <a:t>O Sistema</a:t>
+              <a:t>O </a:t>
+            </a:r>
+            <a:r>
+              <a:rPr lang="pt-BR" dirty="0" smtClean="0"/>
+              <a:t>Sistema</a:t>
             </a:r>
             <a:br>
               <a:rPr lang="pt-BR" dirty="0" smtClean="0"/>
